--- a/presentation/Inequality by Demographic Factors_V4.5.pptx
+++ b/presentation/Inequality by Demographic Factors_V4.5.pptx
@@ -1708,11 +1708,7 @@
           <a:p>
             <a:r>
               <a:rPr lang="de-CH" dirty="0" smtClean="0"/>
-              <a:t>http://</a:t>
-            </a:r>
-            <a:r>
-              <a:rPr lang="de-CH" dirty="0" smtClean="0"/>
-              <a:t>www.bfs.admin.ch/bfs/portal/de/index/themen/01/07/blank/data/01.html</a:t>
+              <a:t>http://www.bfs.admin.ch/bfs/portal/de/index/themen/01/07/blank/data/01.html</a:t>
             </a:r>
           </a:p>
           <a:p>
@@ -2361,91 +2357,6 @@
               <a:buFontTx/>
               <a:buChar char="-"/>
             </a:pPr>
-            <a:r>
-              <a:rPr lang="de-CH" dirty="0" smtClean="0"/>
-              <a:t>Weiterer Punkt: </a:t>
-            </a:r>
-            <a:r>
-              <a:rPr lang="de-CH" dirty="0" err="1" smtClean="0"/>
-              <a:t>Between</a:t>
-            </a:r>
-            <a:r>
-              <a:rPr lang="de-CH" baseline="0" dirty="0" smtClean="0"/>
-              <a:t> </a:t>
-            </a:r>
-            <a:r>
-              <a:rPr lang="de-CH" baseline="0" dirty="0" err="1" smtClean="0"/>
-              <a:t>group</a:t>
-            </a:r>
-            <a:r>
-              <a:rPr lang="de-CH" baseline="0" dirty="0" smtClean="0"/>
-              <a:t> </a:t>
-            </a:r>
-            <a:r>
-              <a:rPr lang="de-CH" baseline="0" dirty="0" err="1" smtClean="0"/>
-              <a:t>differences</a:t>
-            </a:r>
-            <a:r>
-              <a:rPr lang="de-CH" baseline="0" dirty="0" smtClean="0"/>
-              <a:t> </a:t>
-            </a:r>
-            <a:r>
-              <a:rPr lang="de-CH" baseline="0" dirty="0" err="1" smtClean="0"/>
-              <a:t>are</a:t>
-            </a:r>
-            <a:r>
-              <a:rPr lang="de-CH" baseline="0" dirty="0" smtClean="0"/>
-              <a:t> </a:t>
-            </a:r>
-            <a:r>
-              <a:rPr lang="de-CH" baseline="0" dirty="0" err="1" smtClean="0"/>
-              <a:t>particularly</a:t>
-            </a:r>
-            <a:r>
-              <a:rPr lang="de-CH" baseline="0" dirty="0" smtClean="0"/>
-              <a:t> </a:t>
-            </a:r>
-            <a:r>
-              <a:rPr lang="de-CH" baseline="0" dirty="0" err="1" smtClean="0"/>
-              <a:t>interessting</a:t>
-            </a:r>
-            <a:r>
-              <a:rPr lang="de-CH" baseline="0" dirty="0" smtClean="0"/>
-              <a:t> </a:t>
-            </a:r>
-            <a:r>
-              <a:rPr lang="de-CH" baseline="0" dirty="0" err="1" smtClean="0"/>
-              <a:t>for</a:t>
-            </a:r>
-            <a:r>
-              <a:rPr lang="de-CH" baseline="0" dirty="0" smtClean="0"/>
-              <a:t> </a:t>
-            </a:r>
-            <a:r>
-              <a:rPr lang="de-CH" dirty="0" smtClean="0"/>
-              <a:t>Familienpolitischen Verteilungsfragen</a:t>
-            </a:r>
-            <a:r>
-              <a:rPr lang="de-CH" baseline="0" dirty="0" smtClean="0"/>
-              <a:t>. Es Unterschiede zwischen verschiedenen Haushaltsformen&gt; Unterschiede zwischen Haushalten mit und ohne Kinder.</a:t>
-            </a:r>
-          </a:p>
-          <a:p>
-            <a:pPr marL="171450" indent="-171450">
-              <a:buFontTx/>
-              <a:buChar char="-"/>
-            </a:pPr>
-            <a:endParaRPr lang="de-CH" baseline="0" dirty="0" smtClean="0"/>
-          </a:p>
-          <a:p>
-            <a:pPr marL="171450" indent="-171450">
-              <a:buFontTx/>
-              <a:buChar char="-"/>
-            </a:pPr>
-            <a:r>
-              <a:rPr lang="de-CH" baseline="0" dirty="0" smtClean="0"/>
-              <a:t>Üblicherweise wird Einkommensungleichheit primär als Ausdruck von Lohnunterschieden verstanden.</a:t>
-            </a:r>
             <a:endParaRPr lang="de-CH" dirty="0"/>
           </a:p>
         </p:txBody>
@@ -2538,14 +2449,30 @@
           <a:p>
             <a:r>
               <a:rPr lang="de-CH" dirty="0" smtClean="0"/>
-              <a:t>http://www.bfs.admin.ch/bfs/portal/de/index/regionen/kantone/ju/key.html</a:t>
-            </a:r>
+              <a:t>http://www.bfs.admin.ch/bfs/portal/de/index/regionen/kantone/bs/key.html</a:t>
+            </a:r>
+          </a:p>
+          <a:p>
+            <a:endParaRPr lang="de-CH" dirty="0" smtClean="0"/>
           </a:p>
           <a:p>
             <a:r>
               <a:rPr lang="de-CH" dirty="0" smtClean="0"/>
-              <a:t>http://www.bfs.admin.ch/bfs/portal/de/index/regionen/kantone/bs/key.html</a:t>
-            </a:r>
+              <a:t>Klar machen, dass es </a:t>
+            </a:r>
+            <a:r>
+              <a:rPr lang="de-CH" dirty="0" smtClean="0"/>
+              <a:t>keine richtigen </a:t>
+            </a:r>
+            <a:r>
+              <a:rPr lang="de-CH" dirty="0" smtClean="0"/>
+              <a:t>Haushalte</a:t>
+            </a:r>
+            <a:r>
+              <a:rPr lang="de-CH" baseline="0" dirty="0" smtClean="0"/>
+              <a:t> sind</a:t>
+            </a:r>
+            <a:endParaRPr lang="de-CH" dirty="0" smtClean="0"/>
           </a:p>
           <a:p>
             <a:endParaRPr lang="de-CH" dirty="0" smtClean="0"/>
@@ -9742,11 +9669,7 @@
             </a:r>
             <a:r>
               <a:rPr lang="en-US" dirty="0" smtClean="0"/>
-              <a:t>- Demographic </a:t>
-            </a:r>
-            <a:r>
-              <a:rPr lang="en-US" dirty="0" smtClean="0"/>
-              <a:t>change and contribution of within and between inequality to overall inequality </a:t>
+              <a:t>- Demographic change and contribution of within and between inequality to overall inequality </a:t>
             </a:r>
             <a:endParaRPr lang="en-US" dirty="0"/>
           </a:p>
@@ -10174,12 +10097,12 @@
           <a:graphicData uri="http://schemas.openxmlformats.org/presentationml/2006/ole">
             <mc:AlternateContent xmlns:mc="http://schemas.openxmlformats.org/markup-compatibility/2006">
               <mc:Choice xmlns:v="urn:schemas-microsoft-com:vml" Requires="v">
-                <p:oleObj spid="_x0000_s2076" name="Worksheet" r:id="rId4" imgW="3952855" imgH="2809943" progId="Excel.Sheet.12">
+                <p:oleObj spid="_x0000_s2080" name="Worksheet" r:id="rId5" imgW="3952855" imgH="2809943" progId="Excel.Sheet.12">
                   <p:embed/>
                 </p:oleObj>
               </mc:Choice>
               <mc:Fallback>
-                <p:oleObj name="Worksheet" r:id="rId4" imgW="3952855" imgH="2809943" progId="Excel.Sheet.12">
+                <p:oleObj name="Worksheet" r:id="rId5" imgW="3952855" imgH="2809943" progId="Excel.Sheet.12">
                   <p:embed/>
                   <p:pic>
                     <p:nvPicPr>
@@ -10188,7 +10111,7 @@
                       <p:nvPr/>
                     </p:nvPicPr>
                     <p:blipFill>
-                      <a:blip r:embed="rId5"/>
+                      <a:blip r:embed="rId6"/>
                       <a:stretch>
                         <a:fillRect/>
                       </a:stretch>
@@ -10403,15 +10326,7 @@
           <a:p>
             <a:r>
               <a:rPr lang="en-US" i="1" dirty="0" smtClean="0"/>
-              <a:t>No big changes concerning </a:t>
-            </a:r>
-            <a:r>
-              <a:rPr lang="en-US" i="1" dirty="0" smtClean="0"/>
-              <a:t>shares of age </a:t>
-            </a:r>
-            <a:r>
-              <a:rPr lang="en-US" i="1" dirty="0" smtClean="0"/>
-              <a:t>groups</a:t>
+              <a:t>No big changes concerning shares of age groups</a:t>
             </a:r>
           </a:p>
           <a:p>
@@ -10423,15 +10338,7 @@
           <a:p>
             <a:r>
               <a:rPr lang="en-US" i="1" dirty="0" smtClean="0"/>
-              <a:t>…but importance of between group differences </a:t>
-            </a:r>
-            <a:r>
-              <a:rPr lang="en-US" i="1" dirty="0" smtClean="0"/>
-              <a:t>grew</a:t>
-            </a:r>
-            <a:r>
-              <a:rPr lang="en-US" i="1" dirty="0" smtClean="0"/>
-              <a:t>.</a:t>
+              <a:t>…but importance of between group differences grew.</a:t>
             </a:r>
           </a:p>
           <a:p>
@@ -10534,15 +10441,7 @@
             </a:r>
             <a:r>
               <a:rPr lang="en-US" dirty="0" smtClean="0"/>
-              <a:t>- Between </a:t>
-            </a:r>
-            <a:r>
-              <a:rPr lang="en-US" dirty="0" smtClean="0"/>
-              <a:t>and within </a:t>
-            </a:r>
-            <a:r>
-              <a:rPr lang="en-US" dirty="0" smtClean="0"/>
-              <a:t>inequality</a:t>
+              <a:t>- Between and within inequality</a:t>
             </a:r>
             <a:endParaRPr lang="en-US" dirty="0"/>
           </a:p>
@@ -11189,12 +11088,12 @@
           <a:graphicData uri="http://schemas.openxmlformats.org/presentationml/2006/ole">
             <mc:AlternateContent xmlns:mc="http://schemas.openxmlformats.org/markup-compatibility/2006">
               <mc:Choice xmlns:v="urn:schemas-microsoft-com:vml" Requires="v">
-                <p:oleObj spid="_x0000_s6154" name="Worksheet" r:id="rId4" imgW="4391011" imgH="2552700" progId="Excel.Sheet.12">
+                <p:oleObj spid="_x0000_s6158" name="Worksheet" r:id="rId5" imgW="4391011" imgH="2552700" progId="Excel.Sheet.12">
                   <p:embed/>
                 </p:oleObj>
               </mc:Choice>
               <mc:Fallback>
-                <p:oleObj name="Worksheet" r:id="rId4" imgW="4391011" imgH="2552700" progId="Excel.Sheet.12">
+                <p:oleObj name="Worksheet" r:id="rId5" imgW="4391011" imgH="2552700" progId="Excel.Sheet.12">
                   <p:embed/>
                   <p:pic>
                     <p:nvPicPr>
@@ -11203,7 +11102,7 @@
                       <p:nvPr/>
                     </p:nvPicPr>
                     <p:blipFill>
-                      <a:blip r:embed="rId5"/>
+                      <a:blip r:embed="rId6"/>
                       <a:stretch>
                         <a:fillRect/>
                       </a:stretch>
@@ -11305,19 +11204,7 @@
             </a:r>
             <a:r>
               <a:rPr lang="en-US" dirty="0" smtClean="0"/>
-              <a:t>- Contribution </a:t>
-            </a:r>
-            <a:r>
-              <a:rPr lang="en-US" dirty="0" smtClean="0"/>
-              <a:t>of each within inequality component </a:t>
-            </a:r>
-            <a:r>
-              <a:rPr lang="en-US" dirty="0" smtClean="0"/>
-              <a:t>and </a:t>
-            </a:r>
-            <a:r>
-              <a:rPr lang="en-US" dirty="0" smtClean="0"/>
-              <a:t>between inequality  to overall inequality- age groups</a:t>
+              <a:t>- Contribution of each within inequality component and between inequality  to overall inequality- age groups</a:t>
             </a:r>
             <a:endParaRPr lang="en-US" dirty="0"/>
           </a:p>
@@ -11964,12 +11851,12 @@
           <a:graphicData uri="http://schemas.openxmlformats.org/presentationml/2006/ole">
             <mc:AlternateContent xmlns:mc="http://schemas.openxmlformats.org/markup-compatibility/2006">
               <mc:Choice xmlns:v="urn:schemas-microsoft-com:vml" Requires="v">
-                <p:oleObj spid="_x0000_s4107" name="Worksheet" r:id="rId4" imgW="4391011" imgH="2009843" progId="Excel.Sheet.12">
+                <p:oleObj spid="_x0000_s4111" name="Worksheet" r:id="rId5" imgW="4391011" imgH="2009843" progId="Excel.Sheet.12">
                   <p:embed/>
                 </p:oleObj>
               </mc:Choice>
               <mc:Fallback>
-                <p:oleObj name="Worksheet" r:id="rId4" imgW="4391011" imgH="2009843" progId="Excel.Sheet.12">
+                <p:oleObj name="Worksheet" r:id="rId5" imgW="4391011" imgH="2009843" progId="Excel.Sheet.12">
                   <p:embed/>
                   <p:pic>
                     <p:nvPicPr>
@@ -11978,7 +11865,7 @@
                       <p:nvPr/>
                     </p:nvPicPr>
                     <p:blipFill>
-                      <a:blip r:embed="rId5"/>
+                      <a:blip r:embed="rId6"/>
                       <a:stretch>
                         <a:fillRect/>
                       </a:stretch>
@@ -12076,11 +11963,7 @@
           <a:p>
             <a:r>
               <a:rPr lang="en-US" dirty="0" smtClean="0"/>
-              <a:t>Households - Demographic </a:t>
-            </a:r>
-            <a:r>
-              <a:rPr lang="en-US" dirty="0" smtClean="0"/>
-              <a:t>change and contribution of within and between inequality to overall inequality </a:t>
+              <a:t>Households - Demographic change and contribution of within and between inequality to overall inequality </a:t>
             </a:r>
             <a:endParaRPr lang="en-US" dirty="0"/>
           </a:p>
@@ -12308,12 +12191,12 @@
           <a:graphicData uri="http://schemas.openxmlformats.org/presentationml/2006/ole">
             <mc:AlternateContent xmlns:mc="http://schemas.openxmlformats.org/markup-compatibility/2006">
               <mc:Choice xmlns:v="urn:schemas-microsoft-com:vml" Requires="v">
-                <p:oleObj spid="_x0000_s3099" name="Worksheet" r:id="rId4" imgW="3952855" imgH="3429000" progId="Excel.Sheet.12">
+                <p:oleObj spid="_x0000_s3103" name="Worksheet" r:id="rId5" imgW="3952855" imgH="3429000" progId="Excel.Sheet.12">
                   <p:embed/>
                 </p:oleObj>
               </mc:Choice>
               <mc:Fallback>
-                <p:oleObj name="Worksheet" r:id="rId4" imgW="3952855" imgH="3429000" progId="Excel.Sheet.12">
+                <p:oleObj name="Worksheet" r:id="rId5" imgW="3952855" imgH="3429000" progId="Excel.Sheet.12">
                   <p:embed/>
                   <p:pic>
                     <p:nvPicPr>
@@ -12322,7 +12205,7 @@
                       <p:nvPr/>
                     </p:nvPicPr>
                     <p:blipFill>
-                      <a:blip r:embed="rId5"/>
+                      <a:blip r:embed="rId6"/>
                       <a:stretch>
                         <a:fillRect/>
                       </a:stretch>
@@ -12537,11 +12420,7 @@
           <a:p>
             <a:r>
               <a:rPr lang="en-US" i="1" dirty="0" smtClean="0"/>
-              <a:t>Global trend reflects in cantonal data: decline of married </a:t>
-            </a:r>
-            <a:r>
-              <a:rPr lang="en-US" i="1" dirty="0" smtClean="0"/>
-              <a:t>and rise of single households</a:t>
+              <a:t>Global trend reflects in cantonal data: decline of married and rise of single households</a:t>
             </a:r>
           </a:p>
           <a:p>
@@ -12649,7 +12528,6 @@
               <a:rPr lang="en-US" dirty="0"/>
               <a:t>Between and within inequality</a:t>
             </a:r>
-            <a:endParaRPr lang="en-US" dirty="0"/>
           </a:p>
         </p:txBody>
       </p:sp>
@@ -13221,12 +13099,12 @@
           <a:graphicData uri="http://schemas.openxmlformats.org/presentationml/2006/ole">
             <mc:AlternateContent xmlns:mc="http://schemas.openxmlformats.org/markup-compatibility/2006">
               <mc:Choice xmlns:v="urn:schemas-microsoft-com:vml" Requires="v">
-                <p:oleObj spid="_x0000_s7171" name="Worksheet" r:id="rId4" imgW="4781623" imgH="3419543" progId="Excel.Sheet.12">
+                <p:oleObj spid="_x0000_s7175" name="Worksheet" r:id="rId5" imgW="4781623" imgH="3419543" progId="Excel.Sheet.12">
                   <p:embed/>
                 </p:oleObj>
               </mc:Choice>
               <mc:Fallback>
-                <p:oleObj name="Worksheet" r:id="rId4" imgW="4781623" imgH="3419543" progId="Excel.Sheet.12">
+                <p:oleObj name="Worksheet" r:id="rId5" imgW="4781623" imgH="3419543" progId="Excel.Sheet.12">
                   <p:embed/>
                   <p:pic>
                     <p:nvPicPr>
@@ -13235,7 +13113,7 @@
                       <p:nvPr/>
                     </p:nvPicPr>
                     <p:blipFill>
-                      <a:blip r:embed="rId5"/>
+                      <a:blip r:embed="rId6"/>
                       <a:stretch>
                         <a:fillRect/>
                       </a:stretch>
@@ -13339,7 +13217,6 @@
               <a:rPr lang="en-US" dirty="0"/>
               <a:t>Contribution of each within inequality component and between inequality  to overall inequality- age groups</a:t>
             </a:r>
-            <a:endParaRPr lang="en-US" dirty="0"/>
           </a:p>
         </p:txBody>
       </p:sp>
@@ -13743,11 +13620,7 @@
           <a:p>
             <a:r>
               <a:rPr lang="en-US" i="1" dirty="0" smtClean="0"/>
-              <a:t>Between group differences contribute also to overall inequality</a:t>
-            </a:r>
-            <a:r>
-              <a:rPr lang="en-US" i="1" dirty="0" smtClean="0"/>
-              <a:t> </a:t>
+              <a:t>Between group differences contribute also to overall inequality </a:t>
             </a:r>
           </a:p>
           <a:p>
@@ -13786,12 +13659,12 @@
           <a:graphicData uri="http://schemas.openxmlformats.org/presentationml/2006/ole">
             <mc:AlternateContent xmlns:mc="http://schemas.openxmlformats.org/markup-compatibility/2006">
               <mc:Choice xmlns:v="urn:schemas-microsoft-com:vml" Requires="v">
-                <p:oleObj spid="_x0000_s8196" name="Worksheet" r:id="rId4" imgW="4391011" imgH="2952885" progId="Excel.Sheet.12">
+                <p:oleObj spid="_x0000_s8200" name="Worksheet" r:id="rId5" imgW="4391011" imgH="2952885" progId="Excel.Sheet.12">
                   <p:embed/>
                 </p:oleObj>
               </mc:Choice>
               <mc:Fallback>
-                <p:oleObj name="Worksheet" r:id="rId4" imgW="4391011" imgH="2952885" progId="Excel.Sheet.12">
+                <p:oleObj name="Worksheet" r:id="rId5" imgW="4391011" imgH="2952885" progId="Excel.Sheet.12">
                   <p:embed/>
                   <p:pic>
                     <p:nvPicPr>
@@ -13800,7 +13673,7 @@
                       <p:nvPr/>
                     </p:nvPicPr>
                     <p:blipFill>
-                      <a:blip r:embed="rId5"/>
+                      <a:blip r:embed="rId6"/>
                       <a:stretch>
                         <a:fillRect/>
                       </a:stretch>
@@ -16195,15 +16068,7 @@
             </a:r>
             <a:r>
               <a:rPr lang="en-US" dirty="0" smtClean="0"/>
-              <a:t>n the last 30 year Population </a:t>
-            </a:r>
-            <a:r>
-              <a:rPr lang="en-US" dirty="0" smtClean="0"/>
-              <a:t>grew </a:t>
-            </a:r>
-            <a:r>
-              <a:rPr lang="en-US" dirty="0" smtClean="0"/>
-              <a:t>by 1.8 Mio</a:t>
+              <a:t>n the last 30 year Population grew by 1.8 Mio</a:t>
             </a:r>
             <a:r>
               <a:rPr lang="de-CH" dirty="0" smtClean="0"/>
@@ -17455,17 +17320,7 @@
                 <a:latin typeface="Lucida Sans"/>
                 <a:ea typeface="MS PGothic"/>
               </a:rPr>
-              <a:t>inequality is strongly affected (52%/61%) by inequality within workforce (25-65). </a:t>
-            </a:r>
-            <a:r>
-              <a:rPr lang="en-US" sz="1700" dirty="0">
-                <a:solidFill>
-                  <a:srgbClr val="000000"/>
-                </a:solidFill>
-                <a:latin typeface="Lucida Sans"/>
-                <a:ea typeface="MS PGothic"/>
-              </a:rPr>
-              <a:t>Trend is rising.</a:t>
+              <a:t>inequality is strongly affected (52%/61%) by inequality within workforce (25-65). Trend is rising.</a:t>
             </a:r>
           </a:p>
           <a:p>
@@ -19611,15 +19466,7 @@
           <a:p>
             <a:r>
               <a:rPr lang="en-US" sz="1700" dirty="0" smtClean="0"/>
-              <a:t>Change in the «way of people living together» affects inequality (people marry later, and divorce more often). Daly and Valetta (2006) think that part of the rise in inequality in the US is due to the rise of people living alone </a:t>
-            </a:r>
-            <a:r>
-              <a:rPr lang="en-US" sz="1700" dirty="0" smtClean="0"/>
-              <a:t>(or single parents). </a:t>
-            </a:r>
-            <a:r>
-              <a:rPr lang="en-US" sz="1700" dirty="0" smtClean="0"/>
-              <a:t>(See </a:t>
+              <a:t>Change in the «way of people living together» affects inequality (people marry later, and divorce more often). Daly and Valetta (2006) think that part of the rise in inequality in the US is due to the rise of people living alone (or single parents). (See </a:t>
             </a:r>
             <a:r>
               <a:rPr lang="en-US" sz="1700" dirty="0" err="1" smtClean="0"/>
@@ -22257,7 +22104,7 @@
         <p:spPr bwMode="auto">
           <a:xfrm>
             <a:off x="1964266" y="1793734"/>
-            <a:ext cx="4572000" cy="4572000"/>
+            <a:ext cx="5122334" cy="4572000"/>
           </a:xfrm>
           <a:prstGeom prst="rect">
             <a:avLst/>
@@ -23125,6 +22972,21 @@
 </file>
 
 <file path=customXml/item1.xml><?xml version="1.0" encoding="utf-8"?>
+<p:properties xmlns:p="http://schemas.microsoft.com/office/2006/metadata/properties" xmlns:xsi="http://www.w3.org/2001/XMLSchema-instance">
+  <documentManagement/>
+</p:properties>
+</file>
+
+<file path=customXml/item2.xml><?xml version="1.0" encoding="utf-8"?>
+<?mso-contentType ?>
+<FormTemplates xmlns="http://schemas.microsoft.com/sharepoint/v3/contenttype/forms">
+  <Display>DocumentLibraryForm</Display>
+  <Edit>DocumentLibraryForm</Edit>
+  <New>DocumentLibraryForm</New>
+</FormTemplates>
+</file>
+
+<file path=customXml/item3.xml><?xml version="1.0" encoding="utf-8"?>
 <ct:contentTypeSchema xmlns:ct="http://schemas.microsoft.com/office/2006/metadata/contentType" xmlns:ma="http://schemas.microsoft.com/office/2006/metadata/properties/metaAttributes" ct:_="" ma:_="" ma:contentTypeName="Dokument" ma:contentTypeID="0x01010055129612D1B29A4693F2F62632063D6A" ma:contentTypeVersion="0" ma:contentTypeDescription="Ein neues Dokument erstellen." ma:contentTypeScope="" ma:versionID="fba8d20abbd965724d3439c9b926458f">
   <xsd:schema xmlns:xsd="http://www.w3.org/2001/XMLSchema" xmlns:xs="http://www.w3.org/2001/XMLSchema" xmlns:p="http://schemas.microsoft.com/office/2006/metadata/properties" targetNamespace="http://schemas.microsoft.com/office/2006/metadata/properties" ma:root="true" ma:fieldsID="246f02dd96380beb4f7cdcce14d77fd6">
     <xsd:element name="properties">
@@ -23238,22 +23100,30 @@
 </ct:contentTypeSchema>
 </file>
 
-<file path=customXml/item2.xml><?xml version="1.0" encoding="utf-8"?>
-<?mso-contentType ?>
-<FormTemplates xmlns="http://schemas.microsoft.com/sharepoint/v3/contenttype/forms">
-  <Display>DocumentLibraryForm</Display>
-  <Edit>DocumentLibraryForm</Edit>
-  <New>DocumentLibraryForm</New>
-</FormTemplates>
+<file path=customXml/itemProps1.xml><?xml version="1.0" encoding="utf-8"?>
+<ds:datastoreItem xmlns:ds="http://schemas.openxmlformats.org/officeDocument/2006/customXml" ds:itemID="{B470C3CE-871E-471D-827D-756DC4BA1786}">
+  <ds:schemaRefs>
+    <ds:schemaRef ds:uri="http://www.w3.org/XML/1998/namespace"/>
+    <ds:schemaRef ds:uri="http://purl.org/dc/terms/"/>
+    <ds:schemaRef ds:uri="http://purl.org/dc/elements/1.1/"/>
+    <ds:schemaRef ds:uri="http://schemas.microsoft.com/office/infopath/2007/PartnerControls"/>
+    <ds:schemaRef ds:uri="http://schemas.microsoft.com/office/2006/documentManagement/types"/>
+    <ds:schemaRef ds:uri="http://schemas.openxmlformats.org/package/2006/metadata/core-properties"/>
+    <ds:schemaRef ds:uri="http://schemas.microsoft.com/office/2006/metadata/properties"/>
+    <ds:schemaRef ds:uri="http://purl.org/dc/dcmitype/"/>
+  </ds:schemaRefs>
+</ds:datastoreItem>
 </file>
 
-<file path=customXml/item3.xml><?xml version="1.0" encoding="utf-8"?>
-<p:properties xmlns:p="http://schemas.microsoft.com/office/2006/metadata/properties" xmlns:xsi="http://www.w3.org/2001/XMLSchema-instance">
-  <documentManagement/>
-</p:properties>
+<file path=customXml/itemProps2.xml><?xml version="1.0" encoding="utf-8"?>
+<ds:datastoreItem xmlns:ds="http://schemas.openxmlformats.org/officeDocument/2006/customXml" ds:itemID="{38A61B13-3BD8-4182-A6C0-87987DF79A6D}">
+  <ds:schemaRefs>
+    <ds:schemaRef ds:uri="http://schemas.microsoft.com/sharepoint/v3/contenttype/forms"/>
+  </ds:schemaRefs>
+</ds:datastoreItem>
 </file>
 
-<file path=customXml/itemProps1.xml><?xml version="1.0" encoding="utf-8"?>
+<file path=customXml/itemProps3.xml><?xml version="1.0" encoding="utf-8"?>
 <ds:datastoreItem xmlns:ds="http://schemas.openxmlformats.org/officeDocument/2006/customXml" ds:itemID="{581BF47C-2126-4B8C-8663-51154515DD2F}">
   <ds:schemaRefs>
     <ds:schemaRef ds:uri="http://schemas.microsoft.com/office/2006/metadata/contentType"/>
@@ -23267,27 +23137,4 @@
     <ds:schemaRef ds:uri="http://schemas.microsoft.com/office/infopath/2007/PartnerControls"/>
   </ds:schemaRefs>
 </ds:datastoreItem>
-</file>
-
-<file path=customXml/itemProps2.xml><?xml version="1.0" encoding="utf-8"?>
-<ds:datastoreItem xmlns:ds="http://schemas.openxmlformats.org/officeDocument/2006/customXml" ds:itemID="{38A61B13-3BD8-4182-A6C0-87987DF79A6D}">
-  <ds:schemaRefs>
-    <ds:schemaRef ds:uri="http://schemas.microsoft.com/sharepoint/v3/contenttype/forms"/>
-  </ds:schemaRefs>
-</ds:datastoreItem>
-</file>
-
-<file path=customXml/itemProps3.xml><?xml version="1.0" encoding="utf-8"?>
-<ds:datastoreItem xmlns:ds="http://schemas.openxmlformats.org/officeDocument/2006/customXml" ds:itemID="{B470C3CE-871E-471D-827D-756DC4BA1786}">
-  <ds:schemaRefs>
-    <ds:schemaRef ds:uri="http://www.w3.org/XML/1998/namespace"/>
-    <ds:schemaRef ds:uri="http://purl.org/dc/terms/"/>
-    <ds:schemaRef ds:uri="http://purl.org/dc/elements/1.1/"/>
-    <ds:schemaRef ds:uri="http://schemas.microsoft.com/office/infopath/2007/PartnerControls"/>
-    <ds:schemaRef ds:uri="http://schemas.microsoft.com/office/2006/documentManagement/types"/>
-    <ds:schemaRef ds:uri="http://schemas.openxmlformats.org/package/2006/metadata/core-properties"/>
-    <ds:schemaRef ds:uri="http://schemas.microsoft.com/office/2006/metadata/properties"/>
-    <ds:schemaRef ds:uri="http://purl.org/dc/dcmitype/"/>
-  </ds:schemaRefs>
-</ds:datastoreItem>
 </file>
--- a/presentation/Inequality by Demographic Factors_V4.5.pptx
+++ b/presentation/Inequality by Demographic Factors_V4.5.pptx
@@ -252,7 +252,7 @@
           <a:p>
             <a:fld id="{EFA0D184-D464-48E9-9CA0-A94E873F6C2C}" type="datetimeFigureOut">
               <a:rPr lang="de-CH" smtClean="0"/>
-              <a:t>01.10.2014</a:t>
+              <a:t>02.10.2014</a:t>
             </a:fld>
             <a:endParaRPr lang="de-CH"/>
           </a:p>
@@ -417,7 +417,7 @@
           <a:p>
             <a:fld id="{5AF2B663-2BA9-4D7E-8201-5DE4109E1EDD}" type="datetimeFigureOut">
               <a:rPr lang="de-CH" smtClean="0"/>
-              <a:t>01.10.2014</a:t>
+              <a:t>02.10.2014</a:t>
             </a:fld>
             <a:endParaRPr lang="de-CH"/>
           </a:p>
@@ -2458,15 +2458,7 @@
           <a:p>
             <a:r>
               <a:rPr lang="de-CH" dirty="0" smtClean="0"/>
-              <a:t>Klar machen, dass es </a:t>
-            </a:r>
-            <a:r>
-              <a:rPr lang="de-CH" dirty="0" smtClean="0"/>
-              <a:t>keine richtigen </a:t>
-            </a:r>
-            <a:r>
-              <a:rPr lang="de-CH" dirty="0" smtClean="0"/>
-              <a:t>Haushalte</a:t>
+              <a:t>Klar machen, dass es keine richtigen Haushalte</a:t>
             </a:r>
             <a:r>
               <a:rPr lang="de-CH" baseline="0" dirty="0" smtClean="0"/>
@@ -10097,7 +10089,7 @@
           <a:graphicData uri="http://schemas.openxmlformats.org/presentationml/2006/ole">
             <mc:AlternateContent xmlns:mc="http://schemas.openxmlformats.org/markup-compatibility/2006">
               <mc:Choice xmlns:v="urn:schemas-microsoft-com:vml" Requires="v">
-                <p:oleObj spid="_x0000_s2080" name="Worksheet" r:id="rId5" imgW="3952855" imgH="2809943" progId="Excel.Sheet.12">
+                <p:oleObj spid="_x0000_s2081" name="Worksheet" r:id="rId5" imgW="3952855" imgH="2809943" progId="Excel.Sheet.12">
                   <p:embed/>
                 </p:oleObj>
               </mc:Choice>
@@ -11088,7 +11080,7 @@
           <a:graphicData uri="http://schemas.openxmlformats.org/presentationml/2006/ole">
             <mc:AlternateContent xmlns:mc="http://schemas.openxmlformats.org/markup-compatibility/2006">
               <mc:Choice xmlns:v="urn:schemas-microsoft-com:vml" Requires="v">
-                <p:oleObj spid="_x0000_s6158" name="Worksheet" r:id="rId5" imgW="4391011" imgH="2552700" progId="Excel.Sheet.12">
+                <p:oleObj spid="_x0000_s6159" name="Worksheet" r:id="rId5" imgW="4391011" imgH="2552700" progId="Excel.Sheet.12">
                   <p:embed/>
                 </p:oleObj>
               </mc:Choice>
@@ -11851,7 +11843,7 @@
           <a:graphicData uri="http://schemas.openxmlformats.org/presentationml/2006/ole">
             <mc:AlternateContent xmlns:mc="http://schemas.openxmlformats.org/markup-compatibility/2006">
               <mc:Choice xmlns:v="urn:schemas-microsoft-com:vml" Requires="v">
-                <p:oleObj spid="_x0000_s4111" name="Worksheet" r:id="rId5" imgW="4391011" imgH="2009843" progId="Excel.Sheet.12">
+                <p:oleObj spid="_x0000_s4112" name="Worksheet" r:id="rId5" imgW="4391011" imgH="2009843" progId="Excel.Sheet.12">
                   <p:embed/>
                 </p:oleObj>
               </mc:Choice>
@@ -12191,7 +12183,7 @@
           <a:graphicData uri="http://schemas.openxmlformats.org/presentationml/2006/ole">
             <mc:AlternateContent xmlns:mc="http://schemas.openxmlformats.org/markup-compatibility/2006">
               <mc:Choice xmlns:v="urn:schemas-microsoft-com:vml" Requires="v">
-                <p:oleObj spid="_x0000_s3103" name="Worksheet" r:id="rId5" imgW="3952855" imgH="3429000" progId="Excel.Sheet.12">
+                <p:oleObj spid="_x0000_s3104" name="Worksheet" r:id="rId5" imgW="3952855" imgH="3429000" progId="Excel.Sheet.12">
                   <p:embed/>
                 </p:oleObj>
               </mc:Choice>
@@ -13099,7 +13091,7 @@
           <a:graphicData uri="http://schemas.openxmlformats.org/presentationml/2006/ole">
             <mc:AlternateContent xmlns:mc="http://schemas.openxmlformats.org/markup-compatibility/2006">
               <mc:Choice xmlns:v="urn:schemas-microsoft-com:vml" Requires="v">
-                <p:oleObj spid="_x0000_s7175" name="Worksheet" r:id="rId5" imgW="4781623" imgH="3419543" progId="Excel.Sheet.12">
+                <p:oleObj spid="_x0000_s7176" name="Worksheet" r:id="rId5" imgW="4781623" imgH="3419543" progId="Excel.Sheet.12">
                   <p:embed/>
                 </p:oleObj>
               </mc:Choice>
@@ -13659,7 +13651,7 @@
           <a:graphicData uri="http://schemas.openxmlformats.org/presentationml/2006/ole">
             <mc:AlternateContent xmlns:mc="http://schemas.openxmlformats.org/markup-compatibility/2006">
               <mc:Choice xmlns:v="urn:schemas-microsoft-com:vml" Requires="v">
-                <p:oleObj spid="_x0000_s8200" name="Worksheet" r:id="rId5" imgW="4391011" imgH="2952885" progId="Excel.Sheet.12">
+                <p:oleObj spid="_x0000_s8201" name="Worksheet" r:id="rId5" imgW="4391011" imgH="2952885" progId="Excel.Sheet.12">
                   <p:embed/>
                 </p:oleObj>
               </mc:Choice>
@@ -17320,7 +17312,37 @@
                 <a:latin typeface="Lucida Sans"/>
                 <a:ea typeface="MS PGothic"/>
               </a:rPr>
-              <a:t>inequality is strongly affected (52%/61%) by inequality within workforce (25-65). Trend is rising.</a:t>
+              <a:t>inequality is strongly </a:t>
+            </a:r>
+            <a:r>
+              <a:rPr lang="en-US" sz="1700">
+                <a:solidFill>
+                  <a:srgbClr val="000000"/>
+                </a:solidFill>
+                <a:latin typeface="Lucida Sans"/>
+                <a:ea typeface="MS PGothic"/>
+              </a:rPr>
+              <a:t>affected </a:t>
+            </a:r>
+            <a:r>
+              <a:rPr lang="en-US" sz="1700" smtClean="0">
+                <a:solidFill>
+                  <a:srgbClr val="000000"/>
+                </a:solidFill>
+                <a:latin typeface="Lucida Sans"/>
+                <a:ea typeface="MS PGothic"/>
+              </a:rPr>
+              <a:t>(61</a:t>
+            </a:r>
+            <a:r>
+              <a:rPr lang="en-US" sz="1700" dirty="0">
+                <a:solidFill>
+                  <a:srgbClr val="000000"/>
+                </a:solidFill>
+                <a:latin typeface="Lucida Sans"/>
+                <a:ea typeface="MS PGothic"/>
+              </a:rPr>
+              <a:t>%) by inequality within workforce (25-65). Trend is rising.</a:t>
             </a:r>
           </a:p>
           <a:p>
@@ -22084,13 +22106,13 @@
       </p:sp>
       <p:pic>
         <p:nvPicPr>
-          <p:cNvPr id="5125" name="Picture 5" descr="C:\Users\hlo1\neuchatel\analyses Oli\figure\lorenz.png"/>
+          <p:cNvPr id="9218" name="Picture 2" descr="C:\Users\hlo1\neuchatel\analyses Oli\figure\Rplot.png"/>
           <p:cNvPicPr>
             <a:picLocks noChangeAspect="1" noChangeArrowheads="1"/>
           </p:cNvPicPr>
           <p:nvPr/>
         </p:nvPicPr>
-        <p:blipFill rotWithShape="1">
+        <p:blipFill>
           <a:blip r:embed="rId3">
             <a:extLst>
               <a:ext uri="{28A0092B-C50C-407E-A947-70E740481C1C}">
@@ -22098,13 +22120,15 @@
               </a:ext>
             </a:extLst>
           </a:blip>
-          <a:srcRect l="50000"/>
-          <a:stretch/>
+          <a:srcRect/>
+          <a:stretch>
+            <a:fillRect/>
+          </a:stretch>
         </p:blipFill>
         <p:spPr bwMode="auto">
           <a:xfrm>
-            <a:off x="1964266" y="1793734"/>
-            <a:ext cx="5122334" cy="4572000"/>
+            <a:off x="1528256" y="1828800"/>
+            <a:ext cx="5586519" cy="4520670"/>
           </a:xfrm>
           <a:prstGeom prst="rect">
             <a:avLst/>
@@ -22972,21 +22996,6 @@
 </file>
 
 <file path=customXml/item1.xml><?xml version="1.0" encoding="utf-8"?>
-<p:properties xmlns:p="http://schemas.microsoft.com/office/2006/metadata/properties" xmlns:xsi="http://www.w3.org/2001/XMLSchema-instance">
-  <documentManagement/>
-</p:properties>
-</file>
-
-<file path=customXml/item2.xml><?xml version="1.0" encoding="utf-8"?>
-<?mso-contentType ?>
-<FormTemplates xmlns="http://schemas.microsoft.com/sharepoint/v3/contenttype/forms">
-  <Display>DocumentLibraryForm</Display>
-  <Edit>DocumentLibraryForm</Edit>
-  <New>DocumentLibraryForm</New>
-</FormTemplates>
-</file>
-
-<file path=customXml/item3.xml><?xml version="1.0" encoding="utf-8"?>
 <ct:contentTypeSchema xmlns:ct="http://schemas.microsoft.com/office/2006/metadata/contentType" xmlns:ma="http://schemas.microsoft.com/office/2006/metadata/properties/metaAttributes" ct:_="" ma:_="" ma:contentTypeName="Dokument" ma:contentTypeID="0x01010055129612D1B29A4693F2F62632063D6A" ma:contentTypeVersion="0" ma:contentTypeDescription="Ein neues Dokument erstellen." ma:contentTypeScope="" ma:versionID="fba8d20abbd965724d3439c9b926458f">
   <xsd:schema xmlns:xsd="http://www.w3.org/2001/XMLSchema" xmlns:xs="http://www.w3.org/2001/XMLSchema" xmlns:p="http://schemas.microsoft.com/office/2006/metadata/properties" targetNamespace="http://schemas.microsoft.com/office/2006/metadata/properties" ma:root="true" ma:fieldsID="246f02dd96380beb4f7cdcce14d77fd6">
     <xsd:element name="properties">
@@ -23100,17 +23109,33 @@
 </ct:contentTypeSchema>
 </file>
 
+<file path=customXml/item2.xml><?xml version="1.0" encoding="utf-8"?>
+<?mso-contentType ?>
+<FormTemplates xmlns="http://schemas.microsoft.com/sharepoint/v3/contenttype/forms">
+  <Display>DocumentLibraryForm</Display>
+  <Edit>DocumentLibraryForm</Edit>
+  <New>DocumentLibraryForm</New>
+</FormTemplates>
+</file>
+
+<file path=customXml/item3.xml><?xml version="1.0" encoding="utf-8"?>
+<p:properties xmlns:p="http://schemas.microsoft.com/office/2006/metadata/properties" xmlns:xsi="http://www.w3.org/2001/XMLSchema-instance">
+  <documentManagement/>
+</p:properties>
+</file>
+
 <file path=customXml/itemProps1.xml><?xml version="1.0" encoding="utf-8"?>
-<ds:datastoreItem xmlns:ds="http://schemas.openxmlformats.org/officeDocument/2006/customXml" ds:itemID="{B470C3CE-871E-471D-827D-756DC4BA1786}">
+<ds:datastoreItem xmlns:ds="http://schemas.openxmlformats.org/officeDocument/2006/customXml" ds:itemID="{581BF47C-2126-4B8C-8663-51154515DD2F}">
   <ds:schemaRefs>
-    <ds:schemaRef ds:uri="http://www.w3.org/XML/1998/namespace"/>
+    <ds:schemaRef ds:uri="http://schemas.microsoft.com/office/2006/metadata/contentType"/>
+    <ds:schemaRef ds:uri="http://schemas.microsoft.com/office/2006/metadata/properties/metaAttributes"/>
+    <ds:schemaRef ds:uri="http://www.w3.org/2001/XMLSchema"/>
+    <ds:schemaRef ds:uri="http://schemas.microsoft.com/office/2006/metadata/properties"/>
+    <ds:schemaRef ds:uri="http://schemas.openxmlformats.org/package/2006/metadata/core-properties"/>
+    <ds:schemaRef ds:uri="http://purl.org/dc/elements/1.1/"/>
     <ds:schemaRef ds:uri="http://purl.org/dc/terms/"/>
-    <ds:schemaRef ds:uri="http://purl.org/dc/elements/1.1/"/>
+    <ds:schemaRef ds:uri="http://schemas.microsoft.com/internal/obd"/>
     <ds:schemaRef ds:uri="http://schemas.microsoft.com/office/infopath/2007/PartnerControls"/>
-    <ds:schemaRef ds:uri="http://schemas.microsoft.com/office/2006/documentManagement/types"/>
-    <ds:schemaRef ds:uri="http://schemas.openxmlformats.org/package/2006/metadata/core-properties"/>
-    <ds:schemaRef ds:uri="http://schemas.microsoft.com/office/2006/metadata/properties"/>
-    <ds:schemaRef ds:uri="http://purl.org/dc/dcmitype/"/>
   </ds:schemaRefs>
 </ds:datastoreItem>
 </file>
@@ -23124,17 +23149,16 @@
 </file>
 
 <file path=customXml/itemProps3.xml><?xml version="1.0" encoding="utf-8"?>
-<ds:datastoreItem xmlns:ds="http://schemas.openxmlformats.org/officeDocument/2006/customXml" ds:itemID="{581BF47C-2126-4B8C-8663-51154515DD2F}">
+<ds:datastoreItem xmlns:ds="http://schemas.openxmlformats.org/officeDocument/2006/customXml" ds:itemID="{B470C3CE-871E-471D-827D-756DC4BA1786}">
   <ds:schemaRefs>
-    <ds:schemaRef ds:uri="http://schemas.microsoft.com/office/2006/metadata/contentType"/>
-    <ds:schemaRef ds:uri="http://schemas.microsoft.com/office/2006/metadata/properties/metaAttributes"/>
-    <ds:schemaRef ds:uri="http://www.w3.org/2001/XMLSchema"/>
+    <ds:schemaRef ds:uri="http://www.w3.org/XML/1998/namespace"/>
+    <ds:schemaRef ds:uri="http://purl.org/dc/terms/"/>
+    <ds:schemaRef ds:uri="http://purl.org/dc/elements/1.1/"/>
+    <ds:schemaRef ds:uri="http://schemas.microsoft.com/office/infopath/2007/PartnerControls"/>
+    <ds:schemaRef ds:uri="http://schemas.microsoft.com/office/2006/documentManagement/types"/>
+    <ds:schemaRef ds:uri="http://schemas.openxmlformats.org/package/2006/metadata/core-properties"/>
     <ds:schemaRef ds:uri="http://schemas.microsoft.com/office/2006/metadata/properties"/>
-    <ds:schemaRef ds:uri="http://schemas.openxmlformats.org/package/2006/metadata/core-properties"/>
-    <ds:schemaRef ds:uri="http://purl.org/dc/elements/1.1/"/>
-    <ds:schemaRef ds:uri="http://purl.org/dc/terms/"/>
-    <ds:schemaRef ds:uri="http://schemas.microsoft.com/internal/obd"/>
-    <ds:schemaRef ds:uri="http://schemas.microsoft.com/office/infopath/2007/PartnerControls"/>
+    <ds:schemaRef ds:uri="http://purl.org/dc/dcmitype/"/>
   </ds:schemaRefs>
 </ds:datastoreItem>
 </file>
--- a/presentation/Inequality by Demographic Factors_V4.5.pptx
+++ b/presentation/Inequality by Demographic Factors_V4.5.pptx
@@ -10089,7 +10089,7 @@
           <a:graphicData uri="http://schemas.openxmlformats.org/presentationml/2006/ole">
             <mc:AlternateContent xmlns:mc="http://schemas.openxmlformats.org/markup-compatibility/2006">
               <mc:Choice xmlns:v="urn:schemas-microsoft-com:vml" Requires="v">
-                <p:oleObj spid="_x0000_s2081" name="Worksheet" r:id="rId5" imgW="3952855" imgH="2809943" progId="Excel.Sheet.12">
+                <p:oleObj spid="_x0000_s2082" name="Worksheet" r:id="rId5" imgW="3952855" imgH="2809943" progId="Excel.Sheet.12">
                   <p:embed/>
                 </p:oleObj>
               </mc:Choice>
@@ -11080,7 +11080,7 @@
           <a:graphicData uri="http://schemas.openxmlformats.org/presentationml/2006/ole">
             <mc:AlternateContent xmlns:mc="http://schemas.openxmlformats.org/markup-compatibility/2006">
               <mc:Choice xmlns:v="urn:schemas-microsoft-com:vml" Requires="v">
-                <p:oleObj spid="_x0000_s6159" name="Worksheet" r:id="rId5" imgW="4391011" imgH="2552700" progId="Excel.Sheet.12">
+                <p:oleObj spid="_x0000_s6160" name="Worksheet" r:id="rId5" imgW="4391011" imgH="2552700" progId="Excel.Sheet.12">
                   <p:embed/>
                 </p:oleObj>
               </mc:Choice>
@@ -11843,7 +11843,7 @@
           <a:graphicData uri="http://schemas.openxmlformats.org/presentationml/2006/ole">
             <mc:AlternateContent xmlns:mc="http://schemas.openxmlformats.org/markup-compatibility/2006">
               <mc:Choice xmlns:v="urn:schemas-microsoft-com:vml" Requires="v">
-                <p:oleObj spid="_x0000_s4112" name="Worksheet" r:id="rId5" imgW="4391011" imgH="2009843" progId="Excel.Sheet.12">
+                <p:oleObj spid="_x0000_s4113" name="Worksheet" r:id="rId5" imgW="4391011" imgH="2009843" progId="Excel.Sheet.12">
                   <p:embed/>
                 </p:oleObj>
               </mc:Choice>
@@ -12183,7 +12183,7 @@
           <a:graphicData uri="http://schemas.openxmlformats.org/presentationml/2006/ole">
             <mc:AlternateContent xmlns:mc="http://schemas.openxmlformats.org/markup-compatibility/2006">
               <mc:Choice xmlns:v="urn:schemas-microsoft-com:vml" Requires="v">
-                <p:oleObj spid="_x0000_s3104" name="Worksheet" r:id="rId5" imgW="3952855" imgH="3429000" progId="Excel.Sheet.12">
+                <p:oleObj spid="_x0000_s3105" name="Worksheet" r:id="rId5" imgW="3952855" imgH="3429000" progId="Excel.Sheet.12">
                   <p:embed/>
                 </p:oleObj>
               </mc:Choice>
@@ -13091,7 +13091,7 @@
           <a:graphicData uri="http://schemas.openxmlformats.org/presentationml/2006/ole">
             <mc:AlternateContent xmlns:mc="http://schemas.openxmlformats.org/markup-compatibility/2006">
               <mc:Choice xmlns:v="urn:schemas-microsoft-com:vml" Requires="v">
-                <p:oleObj spid="_x0000_s7176" name="Worksheet" r:id="rId5" imgW="4781623" imgH="3419543" progId="Excel.Sheet.12">
+                <p:oleObj spid="_x0000_s7177" name="Worksheet" r:id="rId5" imgW="4781623" imgH="3419543" progId="Excel.Sheet.12">
                   <p:embed/>
                 </p:oleObj>
               </mc:Choice>
@@ -13651,7 +13651,7 @@
           <a:graphicData uri="http://schemas.openxmlformats.org/presentationml/2006/ole">
             <mc:AlternateContent xmlns:mc="http://schemas.openxmlformats.org/markup-compatibility/2006">
               <mc:Choice xmlns:v="urn:schemas-microsoft-com:vml" Requires="v">
-                <p:oleObj spid="_x0000_s8201" name="Worksheet" r:id="rId5" imgW="4391011" imgH="2952885" progId="Excel.Sheet.12">
+                <p:oleObj spid="_x0000_s8202" name="Worksheet" r:id="rId5" imgW="4391011" imgH="2952885" progId="Excel.Sheet.12">
                   <p:embed/>
                 </p:oleObj>
               </mc:Choice>
@@ -22106,7 +22106,7 @@
       </p:sp>
       <p:pic>
         <p:nvPicPr>
-          <p:cNvPr id="9218" name="Picture 2" descr="C:\Users\hlo1\neuchatel\analyses Oli\figure\Rplot.png"/>
+          <p:cNvPr id="4" name="Picture 2" descr="C:\Users\hlo1\neuchatel\analyses Oli\figure\lorenzbs.png"/>
           <p:cNvPicPr>
             <a:picLocks noChangeAspect="1" noChangeArrowheads="1"/>
           </p:cNvPicPr>
@@ -22127,8 +22127,8 @@
         </p:blipFill>
         <p:spPr bwMode="auto">
           <a:xfrm>
-            <a:off x="1528256" y="1828800"/>
-            <a:ext cx="5586519" cy="4520670"/>
+            <a:off x="1490133" y="1711438"/>
+            <a:ext cx="5638799" cy="4562976"/>
           </a:xfrm>
           <a:prstGeom prst="rect">
             <a:avLst/>
@@ -22996,6 +22996,21 @@
 </file>
 
 <file path=customXml/item1.xml><?xml version="1.0" encoding="utf-8"?>
+<p:properties xmlns:p="http://schemas.microsoft.com/office/2006/metadata/properties" xmlns:xsi="http://www.w3.org/2001/XMLSchema-instance">
+  <documentManagement/>
+</p:properties>
+</file>
+
+<file path=customXml/item2.xml><?xml version="1.0" encoding="utf-8"?>
+<?mso-contentType ?>
+<FormTemplates xmlns="http://schemas.microsoft.com/sharepoint/v3/contenttype/forms">
+  <Display>DocumentLibraryForm</Display>
+  <Edit>DocumentLibraryForm</Edit>
+  <New>DocumentLibraryForm</New>
+</FormTemplates>
+</file>
+
+<file path=customXml/item3.xml><?xml version="1.0" encoding="utf-8"?>
 <ct:contentTypeSchema xmlns:ct="http://schemas.microsoft.com/office/2006/metadata/contentType" xmlns:ma="http://schemas.microsoft.com/office/2006/metadata/properties/metaAttributes" ct:_="" ma:_="" ma:contentTypeName="Dokument" ma:contentTypeID="0x01010055129612D1B29A4693F2F62632063D6A" ma:contentTypeVersion="0" ma:contentTypeDescription="Ein neues Dokument erstellen." ma:contentTypeScope="" ma:versionID="fba8d20abbd965724d3439c9b926458f">
   <xsd:schema xmlns:xsd="http://www.w3.org/2001/XMLSchema" xmlns:xs="http://www.w3.org/2001/XMLSchema" xmlns:p="http://schemas.microsoft.com/office/2006/metadata/properties" targetNamespace="http://schemas.microsoft.com/office/2006/metadata/properties" ma:root="true" ma:fieldsID="246f02dd96380beb4f7cdcce14d77fd6">
     <xsd:element name="properties">
@@ -23109,22 +23124,30 @@
 </ct:contentTypeSchema>
 </file>
 
-<file path=customXml/item2.xml><?xml version="1.0" encoding="utf-8"?>
-<?mso-contentType ?>
-<FormTemplates xmlns="http://schemas.microsoft.com/sharepoint/v3/contenttype/forms">
-  <Display>DocumentLibraryForm</Display>
-  <Edit>DocumentLibraryForm</Edit>
-  <New>DocumentLibraryForm</New>
-</FormTemplates>
+<file path=customXml/itemProps1.xml><?xml version="1.0" encoding="utf-8"?>
+<ds:datastoreItem xmlns:ds="http://schemas.openxmlformats.org/officeDocument/2006/customXml" ds:itemID="{B470C3CE-871E-471D-827D-756DC4BA1786}">
+  <ds:schemaRefs>
+    <ds:schemaRef ds:uri="http://www.w3.org/XML/1998/namespace"/>
+    <ds:schemaRef ds:uri="http://purl.org/dc/terms/"/>
+    <ds:schemaRef ds:uri="http://purl.org/dc/elements/1.1/"/>
+    <ds:schemaRef ds:uri="http://schemas.microsoft.com/office/infopath/2007/PartnerControls"/>
+    <ds:schemaRef ds:uri="http://schemas.microsoft.com/office/2006/documentManagement/types"/>
+    <ds:schemaRef ds:uri="http://schemas.openxmlformats.org/package/2006/metadata/core-properties"/>
+    <ds:schemaRef ds:uri="http://schemas.microsoft.com/office/2006/metadata/properties"/>
+    <ds:schemaRef ds:uri="http://purl.org/dc/dcmitype/"/>
+  </ds:schemaRefs>
+</ds:datastoreItem>
 </file>
 
-<file path=customXml/item3.xml><?xml version="1.0" encoding="utf-8"?>
-<p:properties xmlns:p="http://schemas.microsoft.com/office/2006/metadata/properties" xmlns:xsi="http://www.w3.org/2001/XMLSchema-instance">
-  <documentManagement/>
-</p:properties>
+<file path=customXml/itemProps2.xml><?xml version="1.0" encoding="utf-8"?>
+<ds:datastoreItem xmlns:ds="http://schemas.openxmlformats.org/officeDocument/2006/customXml" ds:itemID="{38A61B13-3BD8-4182-A6C0-87987DF79A6D}">
+  <ds:schemaRefs>
+    <ds:schemaRef ds:uri="http://schemas.microsoft.com/sharepoint/v3/contenttype/forms"/>
+  </ds:schemaRefs>
+</ds:datastoreItem>
 </file>
 
-<file path=customXml/itemProps1.xml><?xml version="1.0" encoding="utf-8"?>
+<file path=customXml/itemProps3.xml><?xml version="1.0" encoding="utf-8"?>
 <ds:datastoreItem xmlns:ds="http://schemas.openxmlformats.org/officeDocument/2006/customXml" ds:itemID="{581BF47C-2126-4B8C-8663-51154515DD2F}">
   <ds:schemaRefs>
     <ds:schemaRef ds:uri="http://schemas.microsoft.com/office/2006/metadata/contentType"/>
@@ -23138,27 +23161,4 @@
     <ds:schemaRef ds:uri="http://schemas.microsoft.com/office/infopath/2007/PartnerControls"/>
   </ds:schemaRefs>
 </ds:datastoreItem>
-</file>
-
-<file path=customXml/itemProps2.xml><?xml version="1.0" encoding="utf-8"?>
-<ds:datastoreItem xmlns:ds="http://schemas.openxmlformats.org/officeDocument/2006/customXml" ds:itemID="{38A61B13-3BD8-4182-A6C0-87987DF79A6D}">
-  <ds:schemaRefs>
-    <ds:schemaRef ds:uri="http://schemas.microsoft.com/sharepoint/v3/contenttype/forms"/>
-  </ds:schemaRefs>
-</ds:datastoreItem>
-</file>
-
-<file path=customXml/itemProps3.xml><?xml version="1.0" encoding="utf-8"?>
-<ds:datastoreItem xmlns:ds="http://schemas.openxmlformats.org/officeDocument/2006/customXml" ds:itemID="{B470C3CE-871E-471D-827D-756DC4BA1786}">
-  <ds:schemaRefs>
-    <ds:schemaRef ds:uri="http://www.w3.org/XML/1998/namespace"/>
-    <ds:schemaRef ds:uri="http://purl.org/dc/terms/"/>
-    <ds:schemaRef ds:uri="http://purl.org/dc/elements/1.1/"/>
-    <ds:schemaRef ds:uri="http://schemas.microsoft.com/office/infopath/2007/PartnerControls"/>
-    <ds:schemaRef ds:uri="http://schemas.microsoft.com/office/2006/documentManagement/types"/>
-    <ds:schemaRef ds:uri="http://schemas.openxmlformats.org/package/2006/metadata/core-properties"/>
-    <ds:schemaRef ds:uri="http://schemas.microsoft.com/office/2006/metadata/properties"/>
-    <ds:schemaRef ds:uri="http://purl.org/dc/dcmitype/"/>
-  </ds:schemaRefs>
-</ds:datastoreItem>
 </file>